--- a/presentation.pptx
+++ b/presentation.pptx
@@ -4445,9 +4445,16 @@
             <p:ph idx="1"/>
           </p:nvPr>
         </p:nvSpPr>
-        <p:spPr/>
-        <p:txBody>
-          <a:bodyPr/>
+        <p:spPr>
+          <a:xfrm>
+            <a:off x="1097280" y="1845734"/>
+            <a:ext cx="4752622" cy="1644718"/>
+          </a:xfrm>
+        </p:spPr>
+        <p:txBody>
+          <a:bodyPr>
+            <a:normAutofit fontScale="85000" lnSpcReduction="20000"/>
+          </a:bodyPr>
           <a:lstStyle/>
           <a:p>
             <a:r>
@@ -4456,10 +4463,82 @@
             </a:r>
           </a:p>
           <a:p>
+            <a:r>
+              <a:rPr lang="en-US" dirty="0" smtClean="0"/>
+              <a:t>Created additional binary and numerical regarding demographic variables and school offering, languages, extra curricular, AP, sports</a:t>
+            </a:r>
+          </a:p>
+          <a:p>
+            <a:r>
+              <a:rPr lang="en-US" dirty="0" smtClean="0"/>
+              <a:t>The dependent variable is SAT Score</a:t>
+            </a:r>
+          </a:p>
+          <a:p>
             <a:endParaRPr lang="en-US" dirty="0"/>
           </a:p>
         </p:txBody>
       </p:sp>
+      <p:pic>
+        <p:nvPicPr>
+          <p:cNvPr id="5" name="Picture 4"/>
+          <p:cNvPicPr>
+            <a:picLocks noChangeAspect="1"/>
+          </p:cNvPicPr>
+          <p:nvPr/>
+        </p:nvPicPr>
+        <p:blipFill>
+          <a:blip r:embed="rId2">
+            <a:extLst>
+              <a:ext uri="{28A0092B-C50C-407E-A947-70E740481C1C}">
+                <a14:useLocalDpi xmlns:a14="http://schemas.microsoft.com/office/drawing/2010/main" val="0"/>
+              </a:ext>
+            </a:extLst>
+          </a:blip>
+          <a:stretch>
+            <a:fillRect/>
+          </a:stretch>
+        </p:blipFill>
+        <p:spPr>
+          <a:xfrm>
+            <a:off x="1097280" y="3490452"/>
+            <a:ext cx="4752622" cy="2795660"/>
+          </a:xfrm>
+          <a:prstGeom prst="rect">
+            <a:avLst/>
+          </a:prstGeom>
+        </p:spPr>
+      </p:pic>
+      <p:pic>
+        <p:nvPicPr>
+          <p:cNvPr id="6" name="Picture 5"/>
+          <p:cNvPicPr>
+            <a:picLocks noChangeAspect="1"/>
+          </p:cNvPicPr>
+          <p:nvPr/>
+        </p:nvPicPr>
+        <p:blipFill>
+          <a:blip r:embed="rId3">
+            <a:extLst>
+              <a:ext uri="{28A0092B-C50C-407E-A947-70E740481C1C}">
+                <a14:useLocalDpi xmlns:a14="http://schemas.microsoft.com/office/drawing/2010/main" val="0"/>
+              </a:ext>
+            </a:extLst>
+          </a:blip>
+          <a:stretch>
+            <a:fillRect/>
+          </a:stretch>
+        </p:blipFill>
+        <p:spPr>
+          <a:xfrm>
+            <a:off x="6575322" y="1845734"/>
+            <a:ext cx="4672781" cy="4479573"/>
+          </a:xfrm>
+          <a:prstGeom prst="rect">
+            <a:avLst/>
+          </a:prstGeom>
+        </p:spPr>
+      </p:pic>
     </p:spTree>
     <p:extLst>
       <p:ext uri="{BB962C8B-B14F-4D97-AF65-F5344CB8AC3E}">
@@ -4608,7 +4687,7 @@
           <a:p>
             <a:r>
               <a:rPr lang="en-US" dirty="0" smtClean="0"/>
-              <a:t>Cluster Analysis </a:t>
+              <a:t>Cluster Analysis Using 4 Clusters </a:t>
             </a:r>
             <a:endParaRPr lang="en-US" dirty="0"/>
           </a:p>
@@ -4796,7 +4875,7 @@
       </p:graphicFrame>
       <p:pic>
         <p:nvPicPr>
-          <p:cNvPr id="12" name="Picture 11"/>
+          <p:cNvPr id="14" name="Picture 13"/>
           <p:cNvPicPr>
             <a:picLocks noChangeAspect="1"/>
           </p:cNvPicPr>
@@ -4816,8 +4895,8 @@
         </p:blipFill>
         <p:spPr>
           <a:xfrm>
-            <a:off x="970936" y="1917291"/>
-            <a:ext cx="6651862" cy="4223826"/>
+            <a:off x="7907101" y="3824750"/>
+            <a:ext cx="4086079" cy="2403576"/>
           </a:xfrm>
           <a:prstGeom prst="rect">
             <a:avLst/>
@@ -4826,7 +4905,7 @@
       </p:pic>
       <p:pic>
         <p:nvPicPr>
-          <p:cNvPr id="14" name="Picture 13"/>
+          <p:cNvPr id="15" name="Picture 14"/>
           <p:cNvPicPr>
             <a:picLocks noChangeAspect="1"/>
           </p:cNvPicPr>
@@ -4846,8 +4925,8 @@
         </p:blipFill>
         <p:spPr>
           <a:xfrm>
-            <a:off x="7907101" y="3824750"/>
-            <a:ext cx="4086079" cy="2403576"/>
+            <a:off x="639097" y="2041728"/>
+            <a:ext cx="7010400" cy="3878093"/>
           </a:xfrm>
           <a:prstGeom prst="rect">
             <a:avLst/>
@@ -4899,13 +4978,21 @@
           <a:bodyPr/>
           <a:lstStyle/>
           <a:p>
-            <a:endParaRPr lang="en-US"/>
+            <a:r>
+              <a:rPr lang="en-US" dirty="0" err="1" smtClean="0"/>
+              <a:t>Etnicity</a:t>
+            </a:r>
+            <a:r>
+              <a:rPr lang="en-US" dirty="0" smtClean="0"/>
+              <a:t> Influence AP Class Offerings</a:t>
+            </a:r>
+            <a:endParaRPr lang="en-US" dirty="0"/>
           </a:p>
         </p:txBody>
       </p:sp>
       <p:pic>
         <p:nvPicPr>
-          <p:cNvPr id="5" name="Content Placeholder 4"/>
+          <p:cNvPr id="9" name="Content Placeholder 8"/>
           <p:cNvPicPr>
             <a:picLocks noGrp="1" noChangeAspect="1"/>
           </p:cNvPicPr>
@@ -4927,14 +5014,14 @@
         </p:blipFill>
         <p:spPr>
           <a:xfrm>
-            <a:off x="1096963" y="1910068"/>
-            <a:ext cx="4938712" cy="3895115"/>
+            <a:off x="1096963" y="2492429"/>
+            <a:ext cx="4938712" cy="2730393"/>
           </a:xfrm>
         </p:spPr>
       </p:pic>
       <p:pic>
         <p:nvPicPr>
-          <p:cNvPr id="6" name="Content Placeholder 5"/>
+          <p:cNvPr id="10" name="Content Placeholder 9"/>
           <p:cNvPicPr>
             <a:picLocks noGrp="1" noChangeAspect="1"/>
           </p:cNvPicPr>
@@ -4956,8 +5043,8 @@
         </p:blipFill>
         <p:spPr>
           <a:xfrm>
-            <a:off x="6218238" y="2184559"/>
-            <a:ext cx="4937125" cy="3346133"/>
+            <a:off x="6218238" y="2496176"/>
+            <a:ext cx="4937125" cy="2722899"/>
           </a:xfrm>
         </p:spPr>
       </p:pic>
